--- a/DOS & DDOS Attacks.pptx
+++ b/DOS & DDOS Attacks.pptx
@@ -321,7 +321,7 @@
           <a:p>
             <a:fld id="{3CC94228-8CFB-4A55-AC29-98041E24D1B3}" type="datetimeFigureOut">
               <a:rPr lang="en-US" smtClean="0"/>
-              <a:t>3/26/2021</a:t>
+              <a:t>3/31/2021</a:t>
             </a:fld>
             <a:endParaRPr lang="en-US"/>
           </a:p>
@@ -596,7 +596,7 @@
           <a:p>
             <a:fld id="{3CC94228-8CFB-4A55-AC29-98041E24D1B3}" type="datetimeFigureOut">
               <a:rPr lang="en-US" smtClean="0"/>
-              <a:t>3/26/2021</a:t>
+              <a:t>3/31/2021</a:t>
             </a:fld>
             <a:endParaRPr lang="en-US"/>
           </a:p>
@@ -790,7 +790,7 @@
           <a:p>
             <a:fld id="{3CC94228-8CFB-4A55-AC29-98041E24D1B3}" type="datetimeFigureOut">
               <a:rPr lang="en-US" smtClean="0"/>
-              <a:t>3/26/2021</a:t>
+              <a:t>3/31/2021</a:t>
             </a:fld>
             <a:endParaRPr lang="en-US"/>
           </a:p>
@@ -1063,7 +1063,7 @@
           <a:p>
             <a:fld id="{3CC94228-8CFB-4A55-AC29-98041E24D1B3}" type="datetimeFigureOut">
               <a:rPr lang="en-US" smtClean="0"/>
-              <a:t>3/26/2021</a:t>
+              <a:t>3/31/2021</a:t>
             </a:fld>
             <a:endParaRPr lang="en-US"/>
           </a:p>
@@ -1404,7 +1404,7 @@
           <a:p>
             <a:fld id="{3CC94228-8CFB-4A55-AC29-98041E24D1B3}" type="datetimeFigureOut">
               <a:rPr lang="en-US" smtClean="0"/>
-              <a:t>3/26/2021</a:t>
+              <a:t>3/31/2021</a:t>
             </a:fld>
             <a:endParaRPr lang="en-US"/>
           </a:p>
@@ -2027,7 +2027,7 @@
           <a:p>
             <a:fld id="{3CC94228-8CFB-4A55-AC29-98041E24D1B3}" type="datetimeFigureOut">
               <a:rPr lang="en-US" smtClean="0"/>
-              <a:t>3/26/2021</a:t>
+              <a:t>3/31/2021</a:t>
             </a:fld>
             <a:endParaRPr lang="en-US"/>
           </a:p>
@@ -2887,7 +2887,7 @@
           <a:p>
             <a:fld id="{3CC94228-8CFB-4A55-AC29-98041E24D1B3}" type="datetimeFigureOut">
               <a:rPr lang="en-US" smtClean="0"/>
-              <a:t>3/26/2021</a:t>
+              <a:t>3/31/2021</a:t>
             </a:fld>
             <a:endParaRPr lang="en-US"/>
           </a:p>
@@ -3057,7 +3057,7 @@
           <a:p>
             <a:fld id="{3CC94228-8CFB-4A55-AC29-98041E24D1B3}" type="datetimeFigureOut">
               <a:rPr lang="en-US" smtClean="0"/>
-              <a:t>3/26/2021</a:t>
+              <a:t>3/31/2021</a:t>
             </a:fld>
             <a:endParaRPr lang="en-US"/>
           </a:p>
@@ -3237,7 +3237,7 @@
           <a:p>
             <a:fld id="{3CC94228-8CFB-4A55-AC29-98041E24D1B3}" type="datetimeFigureOut">
               <a:rPr lang="en-US" smtClean="0"/>
-              <a:t>3/26/2021</a:t>
+              <a:t>3/31/2021</a:t>
             </a:fld>
             <a:endParaRPr lang="en-US"/>
           </a:p>
@@ -3407,7 +3407,7 @@
           <a:p>
             <a:fld id="{3CC94228-8CFB-4A55-AC29-98041E24D1B3}" type="datetimeFigureOut">
               <a:rPr lang="en-US" smtClean="0"/>
-              <a:t>3/26/2021</a:t>
+              <a:t>3/31/2021</a:t>
             </a:fld>
             <a:endParaRPr lang="en-US"/>
           </a:p>
@@ -3654,7 +3654,7 @@
           <a:p>
             <a:fld id="{3CC94228-8CFB-4A55-AC29-98041E24D1B3}" type="datetimeFigureOut">
               <a:rPr lang="en-US" smtClean="0"/>
-              <a:t>3/26/2021</a:t>
+              <a:t>3/31/2021</a:t>
             </a:fld>
             <a:endParaRPr lang="en-US"/>
           </a:p>
@@ -3946,7 +3946,7 @@
           <a:p>
             <a:fld id="{3CC94228-8CFB-4A55-AC29-98041E24D1B3}" type="datetimeFigureOut">
               <a:rPr lang="en-US" smtClean="0"/>
-              <a:t>3/26/2021</a:t>
+              <a:t>3/31/2021</a:t>
             </a:fld>
             <a:endParaRPr lang="en-US"/>
           </a:p>
@@ -4390,7 +4390,7 @@
           <a:p>
             <a:fld id="{3CC94228-8CFB-4A55-AC29-98041E24D1B3}" type="datetimeFigureOut">
               <a:rPr lang="en-US" smtClean="0"/>
-              <a:t>3/26/2021</a:t>
+              <a:t>3/31/2021</a:t>
             </a:fld>
             <a:endParaRPr lang="en-US"/>
           </a:p>
@@ -4508,7 +4508,7 @@
           <a:p>
             <a:fld id="{3CC94228-8CFB-4A55-AC29-98041E24D1B3}" type="datetimeFigureOut">
               <a:rPr lang="en-US" smtClean="0"/>
-              <a:t>3/26/2021</a:t>
+              <a:t>3/31/2021</a:t>
             </a:fld>
             <a:endParaRPr lang="en-US"/>
           </a:p>
@@ -4603,7 +4603,7 @@
           <a:p>
             <a:fld id="{3CC94228-8CFB-4A55-AC29-98041E24D1B3}" type="datetimeFigureOut">
               <a:rPr lang="en-US" smtClean="0"/>
-              <a:t>3/26/2021</a:t>
+              <a:t>3/31/2021</a:t>
             </a:fld>
             <a:endParaRPr lang="en-US"/>
           </a:p>
@@ -4882,7 +4882,7 @@
           <a:p>
             <a:fld id="{3CC94228-8CFB-4A55-AC29-98041E24D1B3}" type="datetimeFigureOut">
               <a:rPr lang="en-US" smtClean="0"/>
-              <a:t>3/26/2021</a:t>
+              <a:t>3/31/2021</a:t>
             </a:fld>
             <a:endParaRPr lang="en-US"/>
           </a:p>
@@ -5157,7 +5157,7 @@
           <a:p>
             <a:fld id="{3CC94228-8CFB-4A55-AC29-98041E24D1B3}" type="datetimeFigureOut">
               <a:rPr lang="en-US" smtClean="0"/>
-              <a:t>3/26/2021</a:t>
+              <a:t>3/31/2021</a:t>
             </a:fld>
             <a:endParaRPr lang="en-US"/>
           </a:p>
@@ -5586,7 +5586,7 @@
           <a:p>
             <a:fld id="{3CC94228-8CFB-4A55-AC29-98041E24D1B3}" type="datetimeFigureOut">
               <a:rPr lang="en-US" smtClean="0"/>
-              <a:t>3/26/2021</a:t>
+              <a:t>3/31/2021</a:t>
             </a:fld>
             <a:endParaRPr lang="en-US"/>
           </a:p>
@@ -12607,7 +12607,34 @@
             <a:pPr lvl="2"/>
             <a:r>
               <a:rPr lang="en-US" dirty="0"/>
-              <a:t>univariate</a:t>
+              <a:t>Univariate</a:t>
+            </a:r>
+          </a:p>
+          <a:p>
+            <a:pPr marL="914400" lvl="2" indent="0">
+              <a:buNone/>
+            </a:pPr>
+            <a:endParaRPr lang="en-US" dirty="0"/>
+          </a:p>
+          <a:p>
+            <a:r>
+              <a:rPr lang="en-US" dirty="0"/>
+              <a:t>After using all these techniques,15 most significant features were selected. These features were obtained by selecting the features that fall under top 15 for more than one technique used.</a:t>
+            </a:r>
+          </a:p>
+          <a:p>
+            <a:pPr marL="914400" lvl="2" indent="0">
+              <a:buNone/>
+            </a:pPr>
+            <a:endParaRPr lang="en-US" dirty="0"/>
+          </a:p>
+          <a:p>
+            <a:pPr marL="914400" lvl="2" indent="0">
+              <a:buNone/>
+            </a:pPr>
+            <a:r>
+              <a:rPr lang="en-US" dirty="0"/>
+              <a:t>						</a:t>
             </a:r>
           </a:p>
         </p:txBody>
